--- a/Slides/Guided Capstone-Executive Team slide deck.pptx
+++ b/Slides/Guided Capstone-Executive Team slide deck.pptx
@@ -1072,7 +1072,7 @@
         <a:p>
           <a:r>
             <a:rPr lang="en-US" dirty="0"/>
-            <a:t>Result: This scenario increases support for ticket price by $11.06. Over the season, this could be expected to amount to $19,354,650</a:t>
+            <a:t>Result: This scenario increases support for ticket price by $7.38. Over the season, this could be expected to amount to $12,908,000</a:t>
           </a:r>
         </a:p>
       </dgm:t>
@@ -1117,7 +1117,7 @@
         <a:p>
           <a:r>
             <a:rPr lang="en-US" dirty="0"/>
-            <a:t>Result: This scenario increases support for ticket price by $12.59. Over the season, this could be expected to amount to $22,032,150.</a:t>
+            <a:t>Result: This scenario increases support for ticket price by $9.69. Over the season, this could be expected to amount to $16,954,000.</a:t>
           </a:r>
         </a:p>
       </dgm:t>
@@ -1162,7 +1162,7 @@
         <a:p>
           <a:r>
             <a:rPr lang="en-US" dirty="0"/>
-            <a:t>Result: Our Model has predicted an increase of 0.081, which effectively does not affect our data. </a:t>
+            <a:t>Result: Our Model has predicted an increase of 0.087, which effectively does not affect our data. </a:t>
           </a:r>
         </a:p>
       </dgm:t>
@@ -1539,7 +1539,7 @@
           </a:pPr>
           <a:r>
             <a:rPr lang="en-US" sz="1300" kern="1200" dirty="0"/>
-            <a:t>Result: This scenario increases support for ticket price by $11.06. Over the season, this could be expected to amount to $19,354,650</a:t>
+            <a:t>Result: This scenario increases support for ticket price by $7.38. Over the season, this could be expected to amount to $12,908,000</a:t>
           </a:r>
         </a:p>
       </dsp:txBody>
@@ -1649,7 +1649,7 @@
           </a:pPr>
           <a:r>
             <a:rPr lang="en-US" sz="1300" kern="1200" dirty="0"/>
-            <a:t>Result: This scenario increases support for ticket price by $12.59. Over the season, this could be expected to amount to $22,032,150.</a:t>
+            <a:t>Result: This scenario increases support for ticket price by $9.69. Over the season, this could be expected to amount to $16,954,000.</a:t>
           </a:r>
         </a:p>
       </dsp:txBody>
@@ -1759,7 +1759,7 @@
           </a:pPr>
           <a:r>
             <a:rPr lang="en-US" sz="1300" kern="1200" dirty="0"/>
-            <a:t>Result: Our Model has predicted an increase of 0.081, which effectively does not affect our data. </a:t>
+            <a:t>Result: Our Model has predicted an increase of 0.087, which effectively does not affect our data. </a:t>
           </a:r>
         </a:p>
       </dsp:txBody>
@@ -35217,7 +35217,7 @@
           <p:nvPr>
             <p:extLst>
               <p:ext uri="{D42A27DB-BD31-4B8C-83A1-F6EECF244321}">
-                <p14:modId xmlns:p14="http://schemas.microsoft.com/office/powerpoint/2010/main" val="2417004633"/>
+                <p14:modId xmlns:p14="http://schemas.microsoft.com/office/powerpoint/2010/main" val="3239371388"/>
               </p:ext>
             </p:extLst>
           </p:nvPr>
@@ -35326,22 +35326,27 @@
             </a:pPr>
             <a:r>
               <a:rPr lang="en-US" dirty="0"/>
-              <a:t>New Pricing Model based on Scenario 2</a:t>
+              <a:t>New Pricing Model based on Scenario 3</a:t>
             </a:r>
           </a:p>
           <a:p>
             <a:pPr lvl="1"/>
             <a:r>
               <a:rPr lang="en-US" dirty="0"/>
-              <a:t>Increasing support for ticket price by $11.06</a:t>
+              <a:t>Increasing support for ticket price by $9.69</a:t>
             </a:r>
           </a:p>
           <a:p>
             <a:pPr lvl="1"/>
             <a:r>
               <a:rPr lang="en-US" dirty="0"/>
-              <a:t>Increase in seasonal revenue by $19,354,650</a:t>
+              <a:t>Increase in seasonal revenue by </a:t>
             </a:r>
+            <a:r>
+              <a:rPr lang="en-US"/>
+              <a:t>$16,954,000</a:t>
+            </a:r>
+            <a:endParaRPr lang="en-US" dirty="0"/>
           </a:p>
           <a:p>
             <a:pPr lvl="1"/>
